--- a/Assignments/CoreJava/EmployeeManagementApp02/outputs.pptx
+++ b/Assignments/CoreJava/EmployeeManagementApp02/outputs.pptx
@@ -7,11 +7,12 @@
   <p:sldIdLst>
     <p:sldId id="256" r:id="rId2"/>
     <p:sldId id="257" r:id="rId3"/>
-    <p:sldId id="258" r:id="rId4"/>
-    <p:sldId id="259" r:id="rId5"/>
-    <p:sldId id="260" r:id="rId6"/>
-    <p:sldId id="261" r:id="rId7"/>
-    <p:sldId id="262" r:id="rId8"/>
+    <p:sldId id="263" r:id="rId4"/>
+    <p:sldId id="258" r:id="rId5"/>
+    <p:sldId id="259" r:id="rId6"/>
+    <p:sldId id="260" r:id="rId7"/>
+    <p:sldId id="261" r:id="rId8"/>
+    <p:sldId id="262" r:id="rId9"/>
   </p:sldIdLst>
   <p:sldSz cx="12192000" cy="6858000"/>
   <p:notesSz cx="6858000" cy="9144000"/>
@@ -110,6 +111,11 @@
       </a:defRPr>
     </a:lvl9pPr>
   </p:defaultTextStyle>
+  <p:extLst>
+    <p:ext uri="{EFAFB233-063F-42B5-8137-9DF3F51BA10A}">
+      <p15:sldGuideLst xmlns:p15="http://schemas.microsoft.com/office/powerpoint/2012/main"/>
+    </p:ext>
+  </p:extLst>
 </p:presentation>
 </file>
 
@@ -260,7 +266,7 @@
           <a:p>
             <a:fld id="{56813D21-87EE-456E-B020-5D02CBE5D023}" type="datetimeFigureOut">
               <a:rPr lang="en-US" smtClean="0"/>
-              <a:t>3/22/2019</a:t>
+              <a:t>3/23/2019</a:t>
             </a:fld>
             <a:endParaRPr lang="en-US"/>
           </a:p>
@@ -458,7 +464,7 @@
           <a:p>
             <a:fld id="{56813D21-87EE-456E-B020-5D02CBE5D023}" type="datetimeFigureOut">
               <a:rPr lang="en-US" smtClean="0"/>
-              <a:t>3/22/2019</a:t>
+              <a:t>3/23/2019</a:t>
             </a:fld>
             <a:endParaRPr lang="en-US"/>
           </a:p>
@@ -666,7 +672,7 @@
           <a:p>
             <a:fld id="{56813D21-87EE-456E-B020-5D02CBE5D023}" type="datetimeFigureOut">
               <a:rPr lang="en-US" smtClean="0"/>
-              <a:t>3/22/2019</a:t>
+              <a:t>3/23/2019</a:t>
             </a:fld>
             <a:endParaRPr lang="en-US"/>
           </a:p>
@@ -864,7 +870,7 @@
           <a:p>
             <a:fld id="{56813D21-87EE-456E-B020-5D02CBE5D023}" type="datetimeFigureOut">
               <a:rPr lang="en-US" smtClean="0"/>
-              <a:t>3/22/2019</a:t>
+              <a:t>3/23/2019</a:t>
             </a:fld>
             <a:endParaRPr lang="en-US"/>
           </a:p>
@@ -1139,7 +1145,7 @@
           <a:p>
             <a:fld id="{56813D21-87EE-456E-B020-5D02CBE5D023}" type="datetimeFigureOut">
               <a:rPr lang="en-US" smtClean="0"/>
-              <a:t>3/22/2019</a:t>
+              <a:t>3/23/2019</a:t>
             </a:fld>
             <a:endParaRPr lang="en-US"/>
           </a:p>
@@ -1404,7 +1410,7 @@
           <a:p>
             <a:fld id="{56813D21-87EE-456E-B020-5D02CBE5D023}" type="datetimeFigureOut">
               <a:rPr lang="en-US" smtClean="0"/>
-              <a:t>3/22/2019</a:t>
+              <a:t>3/23/2019</a:t>
             </a:fld>
             <a:endParaRPr lang="en-US"/>
           </a:p>
@@ -1816,7 +1822,7 @@
           <a:p>
             <a:fld id="{56813D21-87EE-456E-B020-5D02CBE5D023}" type="datetimeFigureOut">
               <a:rPr lang="en-US" smtClean="0"/>
-              <a:t>3/22/2019</a:t>
+              <a:t>3/23/2019</a:t>
             </a:fld>
             <a:endParaRPr lang="en-US"/>
           </a:p>
@@ -1957,7 +1963,7 @@
           <a:p>
             <a:fld id="{56813D21-87EE-456E-B020-5D02CBE5D023}" type="datetimeFigureOut">
               <a:rPr lang="en-US" smtClean="0"/>
-              <a:t>3/22/2019</a:t>
+              <a:t>3/23/2019</a:t>
             </a:fld>
             <a:endParaRPr lang="en-US"/>
           </a:p>
@@ -2070,7 +2076,7 @@
           <a:p>
             <a:fld id="{56813D21-87EE-456E-B020-5D02CBE5D023}" type="datetimeFigureOut">
               <a:rPr lang="en-US" smtClean="0"/>
-              <a:t>3/22/2019</a:t>
+              <a:t>3/23/2019</a:t>
             </a:fld>
             <a:endParaRPr lang="en-US"/>
           </a:p>
@@ -2381,7 +2387,7 @@
           <a:p>
             <a:fld id="{56813D21-87EE-456E-B020-5D02CBE5D023}" type="datetimeFigureOut">
               <a:rPr lang="en-US" smtClean="0"/>
-              <a:t>3/22/2019</a:t>
+              <a:t>3/23/2019</a:t>
             </a:fld>
             <a:endParaRPr lang="en-US"/>
           </a:p>
@@ -2669,7 +2675,7 @@
           <a:p>
             <a:fld id="{56813D21-87EE-456E-B020-5D02CBE5D023}" type="datetimeFigureOut">
               <a:rPr lang="en-US" smtClean="0"/>
-              <a:t>3/22/2019</a:t>
+              <a:t>3/23/2019</a:t>
             </a:fld>
             <a:endParaRPr lang="en-US"/>
           </a:p>
@@ -2910,7 +2916,7 @@
           <a:p>
             <a:fld id="{56813D21-87EE-456E-B020-5D02CBE5D023}" type="datetimeFigureOut">
               <a:rPr lang="en-US" smtClean="0"/>
-              <a:t>3/22/2019</a:t>
+              <a:t>3/23/2019</a:t>
             </a:fld>
             <a:endParaRPr lang="en-US"/>
           </a:p>
@@ -3459,14 +3465,6 @@
 <file path=ppt/slides/slide3.xml><?xml version="1.0" encoding="utf-8"?>
 <p:sld xmlns:a="http://schemas.openxmlformats.org/drawingml/2006/main" xmlns:r="http://schemas.openxmlformats.org/officeDocument/2006/relationships" xmlns:p="http://schemas.openxmlformats.org/presentationml/2006/main">
   <p:cSld>
-    <p:bg>
-      <p:bgPr>
-        <a:solidFill>
-          <a:schemeClr val="bg1"/>
-        </a:solidFill>
-        <a:effectLst/>
-      </p:bgPr>
-    </p:bg>
     <p:spTree>
       <p:nvGrpSpPr>
         <p:cNvPr id="1" name=""/>
@@ -3486,7 +3484,7 @@
           <p:cNvPr id="3" name="Picture 2">
             <a:extLst>
               <a:ext uri="{FF2B5EF4-FFF2-40B4-BE49-F238E27FC236}">
-                <a16:creationId xmlns:a16="http://schemas.microsoft.com/office/drawing/2014/main" id="{75D9FE03-B3CB-47B9-AC71-50AD0C985B92}"/>
+                <a16:creationId xmlns:a16="http://schemas.microsoft.com/office/drawing/2014/main" id="{367024C4-C1FD-48D7-8F8D-1B690AA68FC0}"/>
               </a:ext>
             </a:extLst>
           </p:cNvPr>
@@ -3495,7 +3493,7 @@
           </p:cNvPicPr>
           <p:nvPr/>
         </p:nvPicPr>
-        <p:blipFill rotWithShape="1">
+        <p:blipFill>
           <a:blip r:embed="rId2">
             <a:extLst>
               <a:ext uri="{28A0092B-C50C-407E-A947-70E740481C1C}">
@@ -3503,13 +3501,14 @@
               </a:ext>
             </a:extLst>
           </a:blip>
-          <a:srcRect/>
-          <a:stretch/>
+          <a:stretch>
+            <a:fillRect/>
+          </a:stretch>
         </p:blipFill>
         <p:spPr>
           <a:xfrm>
-            <a:off x="20" y="10"/>
-            <a:ext cx="12191980" cy="6857990"/>
+            <a:off x="0" y="0"/>
+            <a:ext cx="12192000" cy="6858000"/>
           </a:xfrm>
           <a:prstGeom prst="rect">
             <a:avLst/>
@@ -3519,7 +3518,7 @@
     </p:spTree>
     <p:extLst>
       <p:ext uri="{BB962C8B-B14F-4D97-AF65-F5344CB8AC3E}">
-        <p14:creationId xmlns:p14="http://schemas.microsoft.com/office/powerpoint/2010/main" val="3588905474"/>
+        <p14:creationId xmlns:p14="http://schemas.microsoft.com/office/powerpoint/2010/main" val="2696304729"/>
       </p:ext>
     </p:extLst>
   </p:cSld>
@@ -3559,7 +3558,7 @@
           <p:cNvPr id="3" name="Picture 2">
             <a:extLst>
               <a:ext uri="{FF2B5EF4-FFF2-40B4-BE49-F238E27FC236}">
-                <a16:creationId xmlns:a16="http://schemas.microsoft.com/office/drawing/2014/main" id="{416A4819-FC75-429E-AF6D-5246DDA0B6C6}"/>
+                <a16:creationId xmlns:a16="http://schemas.microsoft.com/office/drawing/2014/main" id="{75D9FE03-B3CB-47B9-AC71-50AD0C985B92}"/>
               </a:ext>
             </a:extLst>
           </p:cNvPr>
@@ -3592,7 +3591,7 @@
     </p:spTree>
     <p:extLst>
       <p:ext uri="{BB962C8B-B14F-4D97-AF65-F5344CB8AC3E}">
-        <p14:creationId xmlns:p14="http://schemas.microsoft.com/office/powerpoint/2010/main" val="705375616"/>
+        <p14:creationId xmlns:p14="http://schemas.microsoft.com/office/powerpoint/2010/main" val="3588905474"/>
       </p:ext>
     </p:extLst>
   </p:cSld>
@@ -3632,6 +3631,79 @@
           <p:cNvPr id="3" name="Picture 2">
             <a:extLst>
               <a:ext uri="{FF2B5EF4-FFF2-40B4-BE49-F238E27FC236}">
+                <a16:creationId xmlns:a16="http://schemas.microsoft.com/office/drawing/2014/main" id="{416A4819-FC75-429E-AF6D-5246DDA0B6C6}"/>
+              </a:ext>
+            </a:extLst>
+          </p:cNvPr>
+          <p:cNvPicPr>
+            <a:picLocks noChangeAspect="1"/>
+          </p:cNvPicPr>
+          <p:nvPr/>
+        </p:nvPicPr>
+        <p:blipFill rotWithShape="1">
+          <a:blip r:embed="rId2">
+            <a:extLst>
+              <a:ext uri="{28A0092B-C50C-407E-A947-70E740481C1C}">
+                <a14:useLocalDpi xmlns:a14="http://schemas.microsoft.com/office/drawing/2010/main" val="0"/>
+              </a:ext>
+            </a:extLst>
+          </a:blip>
+          <a:srcRect/>
+          <a:stretch/>
+        </p:blipFill>
+        <p:spPr>
+          <a:xfrm>
+            <a:off x="20" y="10"/>
+            <a:ext cx="12191980" cy="6857990"/>
+          </a:xfrm>
+          <a:prstGeom prst="rect">
+            <a:avLst/>
+          </a:prstGeom>
+        </p:spPr>
+      </p:pic>
+    </p:spTree>
+    <p:extLst>
+      <p:ext uri="{BB962C8B-B14F-4D97-AF65-F5344CB8AC3E}">
+        <p14:creationId xmlns:p14="http://schemas.microsoft.com/office/powerpoint/2010/main" val="705375616"/>
+      </p:ext>
+    </p:extLst>
+  </p:cSld>
+  <p:clrMapOvr>
+    <a:masterClrMapping/>
+  </p:clrMapOvr>
+</p:sld>
+</file>
+
+<file path=ppt/slides/slide6.xml><?xml version="1.0" encoding="utf-8"?>
+<p:sld xmlns:a="http://schemas.openxmlformats.org/drawingml/2006/main" xmlns:r="http://schemas.openxmlformats.org/officeDocument/2006/relationships" xmlns:p="http://schemas.openxmlformats.org/presentationml/2006/main">
+  <p:cSld>
+    <p:bg>
+      <p:bgPr>
+        <a:solidFill>
+          <a:schemeClr val="bg1"/>
+        </a:solidFill>
+        <a:effectLst/>
+      </p:bgPr>
+    </p:bg>
+    <p:spTree>
+      <p:nvGrpSpPr>
+        <p:cNvPr id="1" name=""/>
+        <p:cNvGrpSpPr/>
+        <p:nvPr/>
+      </p:nvGrpSpPr>
+      <p:grpSpPr>
+        <a:xfrm>
+          <a:off x="0" y="0"/>
+          <a:ext cx="0" cy="0"/>
+          <a:chOff x="0" y="0"/>
+          <a:chExt cx="0" cy="0"/>
+        </a:xfrm>
+      </p:grpSpPr>
+      <p:pic>
+        <p:nvPicPr>
+          <p:cNvPr id="3" name="Picture 2">
+            <a:extLst>
+              <a:ext uri="{FF2B5EF4-FFF2-40B4-BE49-F238E27FC236}">
                 <a16:creationId xmlns:a16="http://schemas.microsoft.com/office/drawing/2014/main" id="{A8B7A80D-21B5-41DC-A295-9E8E9B5E632E}"/>
               </a:ext>
             </a:extLst>
@@ -3675,7 +3747,7 @@
 </p:sld>
 </file>
 
-<file path=ppt/slides/slide6.xml><?xml version="1.0" encoding="utf-8"?>
+<file path=ppt/slides/slide7.xml><?xml version="1.0" encoding="utf-8"?>
 <p:sld xmlns:a="http://schemas.openxmlformats.org/drawingml/2006/main" xmlns:r="http://schemas.openxmlformats.org/officeDocument/2006/relationships" xmlns:p="http://schemas.openxmlformats.org/presentationml/2006/main">
   <p:cSld>
     <p:spTree>
@@ -3741,7 +3813,7 @@
 </p:sld>
 </file>
 
-<file path=ppt/slides/slide7.xml><?xml version="1.0" encoding="utf-8"?>
+<file path=ppt/slides/slide8.xml><?xml version="1.0" encoding="utf-8"?>
 <p:sld xmlns:a="http://schemas.openxmlformats.org/drawingml/2006/main" xmlns:r="http://schemas.openxmlformats.org/officeDocument/2006/relationships" xmlns:p="http://schemas.openxmlformats.org/presentationml/2006/main">
   <p:cSld>
     <p:bg>
